--- a/언리얼엔진 네트워크연동.pptx
+++ b/언리얼엔진 네트워크연동.pptx
@@ -105,6 +105,11 @@
       </a:defRPr>
     </a:lvl9pPr>
   </p:defaultTextStyle>
+  <p:extLst>
+    <p:ext uri="{EFAFB233-063F-42B5-8137-9DF3F51BA10A}">
+      <p15:sldGuideLst xmlns:p15="http://schemas.microsoft.com/office/powerpoint/2012/main"/>
+    </p:ext>
+  </p:extLst>
 </p:presentation>
 </file>
 
@@ -2975,31 +2980,55 @@
             <p:ph type="ctrTitle"/>
           </p:nvPr>
         </p:nvSpPr>
+        <p:spPr>
+          <a:xfrm>
+            <a:off x="1151068" y="1122363"/>
+            <a:ext cx="9516932" cy="2387600"/>
+          </a:xfrm>
+        </p:spPr>
+        <p:txBody>
+          <a:bodyPr/>
+          <a:lstStyle/>
+          <a:p>
+            <a:r>
+              <a:rPr lang="ko-KR" altLang="en-US" dirty="0" err="1" smtClean="0"/>
+              <a:t>언리얼</a:t>
+            </a:r>
+            <a:r>
+              <a:rPr lang="ko-KR" altLang="en-US" dirty="0" smtClean="0"/>
+              <a:t> 엔진 네트워크 연동</a:t>
+            </a:r>
+            <a:endParaRPr lang="ko-KR" altLang="en-US" dirty="0"/>
+          </a:p>
+        </p:txBody>
+      </p:sp>
+      <p:sp>
+        <p:nvSpPr>
+          <p:cNvPr id="3" name="부제목 2"/>
+          <p:cNvSpPr>
+            <a:spLocks noGrp="1"/>
+          </p:cNvSpPr>
+          <p:nvPr>
+            <p:ph type="subTitle" idx="1"/>
+          </p:nvPr>
+        </p:nvSpPr>
         <p:spPr/>
         <p:txBody>
           <a:bodyPr/>
           <a:lstStyle/>
           <a:p>
-            <a:endParaRPr lang="ko-KR" altLang="en-US"/>
-          </a:p>
-        </p:txBody>
-      </p:sp>
-      <p:sp>
-        <p:nvSpPr>
-          <p:cNvPr id="3" name="부제목 2"/>
-          <p:cNvSpPr>
-            <a:spLocks noGrp="1"/>
-          </p:cNvSpPr>
-          <p:nvPr>
-            <p:ph type="subTitle" idx="1"/>
-          </p:nvPr>
-        </p:nvSpPr>
-        <p:spPr/>
-        <p:txBody>
-          <a:bodyPr/>
-          <a:lstStyle/>
-          <a:p>
-            <a:endParaRPr lang="ko-KR" altLang="en-US"/>
+            <a:endParaRPr lang="en-US" altLang="ko-KR" dirty="0" smtClean="0"/>
+          </a:p>
+          <a:p>
+            <a:r>
+              <a:rPr lang="en-US" altLang="ko-KR" dirty="0" smtClean="0"/>
+              <a:t>2023-11-21   </a:t>
+            </a:r>
+            <a:r>
+              <a:rPr lang="ko-KR" altLang="en-US" dirty="0" smtClean="0"/>
+              <a:t>정내훈</a:t>
+            </a:r>
+            <a:endParaRPr lang="ko-KR" altLang="en-US" dirty="0"/>
           </a:p>
         </p:txBody>
       </p:sp>

--- a/언리얼엔진 네트워크연동.pptx
+++ b/언리얼엔진 네트워크연동.pptx
@@ -7,6 +7,8 @@
   <p:sldIdLst>
     <p:sldId id="256" r:id="rId2"/>
     <p:sldId id="258" r:id="rId3"/>
+    <p:sldId id="259" r:id="rId4"/>
+    <p:sldId id="260" r:id="rId5"/>
   </p:sldIdLst>
   <p:sldSz cx="12192000" cy="6858000"/>
   <p:notesSz cx="6858000" cy="9144000"/>
@@ -244,7 +246,7 @@
           <a:p>
             <a:fld id="{29FA7590-4DA1-4691-AFD0-9C494C5B43CD}" type="datetimeFigureOut">
               <a:rPr lang="ko-KR" altLang="en-US" smtClean="0"/>
-              <a:t>2023-11-21</a:t>
+              <a:t>2023-12-05</a:t>
             </a:fld>
             <a:endParaRPr lang="ko-KR" altLang="en-US"/>
           </a:p>
@@ -414,7 +416,7 @@
           <a:p>
             <a:fld id="{29FA7590-4DA1-4691-AFD0-9C494C5B43CD}" type="datetimeFigureOut">
               <a:rPr lang="ko-KR" altLang="en-US" smtClean="0"/>
-              <a:t>2023-11-21</a:t>
+              <a:t>2023-12-05</a:t>
             </a:fld>
             <a:endParaRPr lang="ko-KR" altLang="en-US"/>
           </a:p>
@@ -594,7 +596,7 @@
           <a:p>
             <a:fld id="{29FA7590-4DA1-4691-AFD0-9C494C5B43CD}" type="datetimeFigureOut">
               <a:rPr lang="ko-KR" altLang="en-US" smtClean="0"/>
-              <a:t>2023-11-21</a:t>
+              <a:t>2023-12-05</a:t>
             </a:fld>
             <a:endParaRPr lang="ko-KR" altLang="en-US"/>
           </a:p>
@@ -764,7 +766,7 @@
           <a:p>
             <a:fld id="{29FA7590-4DA1-4691-AFD0-9C494C5B43CD}" type="datetimeFigureOut">
               <a:rPr lang="ko-KR" altLang="en-US" smtClean="0"/>
-              <a:t>2023-11-21</a:t>
+              <a:t>2023-12-05</a:t>
             </a:fld>
             <a:endParaRPr lang="ko-KR" altLang="en-US"/>
           </a:p>
@@ -1010,7 +1012,7 @@
           <a:p>
             <a:fld id="{29FA7590-4DA1-4691-AFD0-9C494C5B43CD}" type="datetimeFigureOut">
               <a:rPr lang="ko-KR" altLang="en-US" smtClean="0"/>
-              <a:t>2023-11-21</a:t>
+              <a:t>2023-12-05</a:t>
             </a:fld>
             <a:endParaRPr lang="ko-KR" altLang="en-US"/>
           </a:p>
@@ -1242,7 +1244,7 @@
           <a:p>
             <a:fld id="{29FA7590-4DA1-4691-AFD0-9C494C5B43CD}" type="datetimeFigureOut">
               <a:rPr lang="ko-KR" altLang="en-US" smtClean="0"/>
-              <a:t>2023-11-21</a:t>
+              <a:t>2023-12-05</a:t>
             </a:fld>
             <a:endParaRPr lang="ko-KR" altLang="en-US"/>
           </a:p>
@@ -1609,7 +1611,7 @@
           <a:p>
             <a:fld id="{29FA7590-4DA1-4691-AFD0-9C494C5B43CD}" type="datetimeFigureOut">
               <a:rPr lang="ko-KR" altLang="en-US" smtClean="0"/>
-              <a:t>2023-11-21</a:t>
+              <a:t>2023-12-05</a:t>
             </a:fld>
             <a:endParaRPr lang="ko-KR" altLang="en-US"/>
           </a:p>
@@ -1727,7 +1729,7 @@
           <a:p>
             <a:fld id="{29FA7590-4DA1-4691-AFD0-9C494C5B43CD}" type="datetimeFigureOut">
               <a:rPr lang="ko-KR" altLang="en-US" smtClean="0"/>
-              <a:t>2023-11-21</a:t>
+              <a:t>2023-12-05</a:t>
             </a:fld>
             <a:endParaRPr lang="ko-KR" altLang="en-US"/>
           </a:p>
@@ -1822,7 +1824,7 @@
           <a:p>
             <a:fld id="{29FA7590-4DA1-4691-AFD0-9C494C5B43CD}" type="datetimeFigureOut">
               <a:rPr lang="ko-KR" altLang="en-US" smtClean="0"/>
-              <a:t>2023-11-21</a:t>
+              <a:t>2023-12-05</a:t>
             </a:fld>
             <a:endParaRPr lang="ko-KR" altLang="en-US"/>
           </a:p>
@@ -2099,7 +2101,7 @@
           <a:p>
             <a:fld id="{29FA7590-4DA1-4691-AFD0-9C494C5B43CD}" type="datetimeFigureOut">
               <a:rPr lang="ko-KR" altLang="en-US" smtClean="0"/>
-              <a:t>2023-11-21</a:t>
+              <a:t>2023-12-05</a:t>
             </a:fld>
             <a:endParaRPr lang="ko-KR" altLang="en-US"/>
           </a:p>
@@ -2352,7 +2354,7 @@
           <a:p>
             <a:fld id="{29FA7590-4DA1-4691-AFD0-9C494C5B43CD}" type="datetimeFigureOut">
               <a:rPr lang="ko-KR" altLang="en-US" smtClean="0"/>
-              <a:t>2023-11-21</a:t>
+              <a:t>2023-12-05</a:t>
             </a:fld>
             <a:endParaRPr lang="ko-KR" altLang="en-US"/>
           </a:p>
@@ -2565,7 +2567,7 @@
           <a:p>
             <a:fld id="{29FA7590-4DA1-4691-AFD0-9C494C5B43CD}" type="datetimeFigureOut">
               <a:rPr lang="ko-KR" altLang="en-US" smtClean="0"/>
-              <a:t>2023-11-21</a:t>
+              <a:t>2023-12-05</a:t>
             </a:fld>
             <a:endParaRPr lang="ko-KR" altLang="en-US"/>
           </a:p>
@@ -3122,7 +3124,26 @@
             </a:r>
             <a:r>
               <a:rPr lang="ko-KR" altLang="en-US" dirty="0" smtClean="0"/>
-              <a:t> 패킷 수신</a:t>
+              <a:t> 패킷 </a:t>
+            </a:r>
+            <a:r>
+              <a:rPr lang="ko-KR" altLang="en-US" dirty="0" smtClean="0"/>
+              <a:t>수신</a:t>
+            </a:r>
+            <a:endParaRPr lang="en-US" altLang="ko-KR" dirty="0" smtClean="0"/>
+          </a:p>
+          <a:p>
+            <a:r>
+              <a:rPr lang="en-US" altLang="ko-KR" dirty="0" smtClean="0"/>
+              <a:t>   </a:t>
+            </a:r>
+            <a:r>
+              <a:rPr lang="en-US" altLang="ko-KR" dirty="0" err="1" smtClean="0"/>
+              <a:t>recv</a:t>
+            </a:r>
+            <a:r>
+              <a:rPr lang="en-US" altLang="ko-KR" dirty="0" smtClean="0"/>
+              <a:t>(server, buffer);</a:t>
             </a:r>
             <a:endParaRPr lang="en-US" altLang="ko-KR" dirty="0" smtClean="0"/>
           </a:p>
@@ -3226,8 +3247,8 @@
         </p:nvSpPr>
         <p:spPr>
           <a:xfrm>
-            <a:off x="7704267" y="699247"/>
-            <a:ext cx="3666566" cy="3119718"/>
+            <a:off x="7870115" y="699247"/>
+            <a:ext cx="4232237" cy="3119718"/>
           </a:xfrm>
           <a:prstGeom prst="rect">
             <a:avLst/>
@@ -3255,89 +3276,93 @@
           <a:p>
             <a:pPr algn="ctr"/>
             <a:r>
-              <a:rPr lang="ko-KR" altLang="en-US" dirty="0" smtClean="0"/>
+              <a:rPr lang="ko-KR" altLang="en-US" sz="1400" dirty="0" smtClean="0"/>
               <a:t>게임 </a:t>
             </a:r>
             <a:r>
-              <a:rPr lang="ko-KR" altLang="en-US" dirty="0" err="1" smtClean="0"/>
+              <a:rPr lang="ko-KR" altLang="en-US" sz="1400" dirty="0" err="1" smtClean="0"/>
               <a:t>로직</a:t>
             </a:r>
             <a:r>
-              <a:rPr lang="ko-KR" altLang="en-US" dirty="0" smtClean="0"/>
+              <a:rPr lang="ko-KR" altLang="en-US" sz="1400" dirty="0" smtClean="0"/>
               <a:t> </a:t>
             </a:r>
             <a:r>
-              <a:rPr lang="en-US" altLang="ko-KR" dirty="0" smtClean="0"/>
+              <a:rPr lang="en-US" altLang="ko-KR" sz="1400" dirty="0" smtClean="0"/>
               <a:t>Actor</a:t>
             </a:r>
           </a:p>
           <a:p>
             <a:pPr algn="ctr"/>
-            <a:endParaRPr lang="en-US" altLang="ko-KR" dirty="0"/>
-          </a:p>
-          <a:p>
-            <a:r>
-              <a:rPr lang="en-US" altLang="ko-KR" dirty="0" smtClean="0"/>
+            <a:endParaRPr lang="en-US" altLang="ko-KR" sz="1400" dirty="0"/>
+          </a:p>
+          <a:p>
+            <a:r>
+              <a:rPr lang="en-US" altLang="ko-KR" sz="1400" dirty="0" smtClean="0"/>
               <a:t>Tick()</a:t>
             </a:r>
           </a:p>
           <a:p>
             <a:r>
-              <a:rPr lang="en-US" altLang="ko-KR" dirty="0" smtClean="0"/>
+              <a:rPr lang="en-US" altLang="ko-KR" sz="1400" dirty="0" smtClean="0"/>
               <a:t>{</a:t>
             </a:r>
           </a:p>
           <a:p>
             <a:r>
-              <a:rPr lang="en-US" altLang="ko-KR" dirty="0"/>
+              <a:rPr lang="en-US" altLang="ko-KR" sz="1400" dirty="0"/>
               <a:t> </a:t>
             </a:r>
             <a:r>
-              <a:rPr lang="en-US" altLang="ko-KR" dirty="0" smtClean="0"/>
+              <a:rPr lang="en-US" altLang="ko-KR" sz="1400" dirty="0" smtClean="0"/>
               <a:t> Actor LIST</a:t>
             </a:r>
             <a:r>
-              <a:rPr lang="ko-KR" altLang="en-US" dirty="0" smtClean="0"/>
+              <a:rPr lang="ko-KR" altLang="en-US" sz="1400" dirty="0" smtClean="0"/>
               <a:t>에 새로운 </a:t>
             </a:r>
             <a:r>
-              <a:rPr lang="en-US" altLang="ko-KR" dirty="0" smtClean="0"/>
+              <a:rPr lang="en-US" altLang="ko-KR" sz="1400" dirty="0" smtClean="0"/>
               <a:t>Actor</a:t>
             </a:r>
             <a:r>
-              <a:rPr lang="ko-KR" altLang="en-US" dirty="0" smtClean="0"/>
+              <a:rPr lang="ko-KR" altLang="en-US" sz="1400" dirty="0" smtClean="0"/>
               <a:t>가 등록되었는가</a:t>
             </a:r>
             <a:r>
-              <a:rPr lang="en-US" altLang="ko-KR" dirty="0" smtClean="0"/>
+              <a:rPr lang="en-US" altLang="ko-KR" sz="1400" dirty="0" smtClean="0"/>
               <a:t>?</a:t>
             </a:r>
           </a:p>
           <a:p>
             <a:r>
-              <a:rPr lang="en-US" altLang="ko-KR" dirty="0" smtClean="0"/>
+              <a:rPr lang="en-US" altLang="ko-KR" sz="1400" dirty="0" smtClean="0"/>
               <a:t>    YES : </a:t>
             </a:r>
             <a:r>
-              <a:rPr lang="ko-KR" altLang="en-US" dirty="0" smtClean="0"/>
-              <a:t>캐릭터 </a:t>
-            </a:r>
-            <a:r>
-              <a:rPr lang="en-US" altLang="ko-KR" dirty="0" smtClean="0"/>
-              <a:t>Actor </a:t>
-            </a:r>
-            <a:r>
-              <a:rPr lang="ko-KR" altLang="en-US" dirty="0" smtClean="0"/>
-              <a:t>생성</a:t>
-            </a:r>
-            <a:endParaRPr lang="en-US" altLang="ko-KR" dirty="0" smtClean="0"/>
-          </a:p>
-          <a:p>
-            <a:r>
-              <a:rPr lang="en-US" altLang="ko-KR" dirty="0"/>
+              <a:rPr lang="en-US" altLang="ko-KR" sz="1400" dirty="0" err="1" smtClean="0"/>
+              <a:t>create_new_player_actor</a:t>
+            </a:r>
+            <a:r>
+              <a:rPr lang="en-US" altLang="ko-KR" sz="1400" dirty="0" smtClean="0"/>
+              <a:t>(</a:t>
+            </a:r>
+            <a:r>
+              <a:rPr lang="en-US" altLang="ko-KR" sz="1400" dirty="0" err="1" smtClean="0"/>
+              <a:t>player_id</a:t>
+            </a:r>
+            <a:r>
+              <a:rPr lang="en-US" altLang="ko-KR" sz="1400" dirty="0" smtClean="0"/>
+              <a:t>, x, y, z);</a:t>
+            </a:r>
+            <a:endParaRPr lang="en-US" altLang="ko-KR" sz="1400" dirty="0" smtClean="0"/>
+          </a:p>
+          <a:p>
+            <a:r>
+              <a:rPr lang="en-US" altLang="ko-KR" sz="1400" dirty="0"/>
               <a:t>}</a:t>
             </a:r>
-            <a:endParaRPr lang="ko-KR" altLang="en-US" dirty="0"/>
+            <a:endParaRPr lang="ko-KR" altLang="en-US" sz="1400" dirty="0"/>
           </a:p>
         </p:txBody>
       </p:sp>
@@ -3427,8 +3452,8 @@
         </p:nvSpPr>
         <p:spPr>
           <a:xfrm>
-            <a:off x="1882589" y="4346089"/>
-            <a:ext cx="6583680" cy="2248349"/>
+            <a:off x="1269402" y="4346089"/>
+            <a:ext cx="7767021" cy="2388198"/>
           </a:xfrm>
           <a:prstGeom prst="rect">
             <a:avLst/>
@@ -3456,218 +3481,215 @@
           <a:p>
             <a:pPr algn="ctr"/>
             <a:r>
-              <a:rPr lang="ko-KR" altLang="en-US" sz="900" dirty="0" smtClean="0"/>
-              <a:t>캐릭터 </a:t>
-            </a:r>
-            <a:r>
-              <a:rPr lang="en-US" altLang="ko-KR" sz="900" dirty="0" err="1" smtClean="0"/>
+              <a:rPr lang="ko-KR" altLang="en-US" sz="1100" dirty="0" smtClean="0"/>
+              <a:t>다른 플레이어 캐릭터 </a:t>
+            </a:r>
+            <a:r>
+              <a:rPr lang="en-US" altLang="ko-KR" sz="1100" dirty="0" err="1" smtClean="0"/>
               <a:t>Actpor</a:t>
             </a:r>
-            <a:endParaRPr lang="en-US" altLang="ko-KR" sz="900" dirty="0" smtClean="0"/>
-          </a:p>
-          <a:p>
-            <a:r>
-              <a:rPr lang="en-US" altLang="ko-KR" sz="900" dirty="0" smtClean="0"/>
+            <a:endParaRPr lang="en-US" altLang="ko-KR" sz="1100" dirty="0" smtClean="0"/>
+          </a:p>
+          <a:p>
+            <a:r>
+              <a:rPr lang="en-US" altLang="ko-KR" sz="1100" dirty="0" smtClean="0"/>
               <a:t>Tick()</a:t>
             </a:r>
           </a:p>
           <a:p>
             <a:r>
-              <a:rPr lang="en-US" altLang="ko-KR" sz="900" dirty="0" smtClean="0"/>
+              <a:rPr lang="en-US" altLang="ko-KR" sz="1100" dirty="0" smtClean="0"/>
               <a:t>{</a:t>
             </a:r>
           </a:p>
           <a:p>
             <a:r>
-              <a:rPr lang="en-US" altLang="ko-KR" sz="900" dirty="0"/>
+              <a:rPr lang="en-US" altLang="ko-KR" sz="1100" dirty="0"/>
               <a:t> </a:t>
             </a:r>
             <a:r>
-              <a:rPr lang="en-US" altLang="ko-KR" sz="900" dirty="0" smtClean="0"/>
+              <a:rPr lang="en-US" altLang="ko-KR" sz="1100" dirty="0" smtClean="0"/>
               <a:t> </a:t>
             </a:r>
             <a:r>
-              <a:rPr lang="en-US" altLang="ko-KR" sz="900" dirty="0" err="1" smtClean="0"/>
-              <a:t>Acotr</a:t>
-            </a:r>
-            <a:r>
-              <a:rPr lang="en-US" altLang="ko-KR" sz="900" dirty="0" smtClean="0"/>
-              <a:t> List</a:t>
-            </a:r>
-            <a:r>
-              <a:rPr lang="ko-KR" altLang="en-US" sz="900" dirty="0" smtClean="0"/>
-              <a:t>에서 내가 사라졌는가</a:t>
-            </a:r>
-            <a:r>
-              <a:rPr lang="en-US" altLang="ko-KR" sz="900" dirty="0" smtClean="0"/>
-              <a:t>&gt;</a:t>
-            </a:r>
-          </a:p>
-          <a:p>
-            <a:r>
-              <a:rPr lang="en-US" altLang="ko-KR" sz="900" dirty="0"/>
+              <a:rPr lang="en-US" altLang="ko-KR" sz="1100" dirty="0" smtClean="0"/>
+              <a:t>if (ACTOR_LIST[</a:t>
+            </a:r>
+            <a:r>
+              <a:rPr lang="en-US" altLang="ko-KR" sz="1100" dirty="0" err="1" smtClean="0"/>
+              <a:t>my_player_id</a:t>
+            </a:r>
+            <a:r>
+              <a:rPr lang="en-US" altLang="ko-KR" sz="1100" dirty="0" smtClean="0"/>
+              <a:t>].active == false)</a:t>
+            </a:r>
+            <a:endParaRPr lang="en-US" altLang="ko-KR" sz="1100" dirty="0" smtClean="0"/>
+          </a:p>
+          <a:p>
+            <a:r>
+              <a:rPr lang="en-US" altLang="ko-KR" sz="1100" dirty="0"/>
               <a:t> </a:t>
             </a:r>
             <a:r>
-              <a:rPr lang="en-US" altLang="ko-KR" sz="900" dirty="0" smtClean="0"/>
+              <a:rPr lang="en-US" altLang="ko-KR" sz="1100" dirty="0" smtClean="0"/>
               <a:t>     YES  : </a:t>
             </a:r>
             <a:r>
-              <a:rPr lang="ko-KR" altLang="en-US" sz="900" dirty="0" smtClean="0"/>
+              <a:rPr lang="ko-KR" altLang="en-US" sz="1100" dirty="0" smtClean="0"/>
               <a:t>자살</a:t>
             </a:r>
-            <a:endParaRPr lang="en-US" altLang="ko-KR" sz="900" dirty="0" smtClean="0"/>
-          </a:p>
-          <a:p>
-            <a:r>
-              <a:rPr lang="en-US" altLang="ko-KR" sz="900" dirty="0"/>
+            <a:endParaRPr lang="en-US" altLang="ko-KR" sz="1100" dirty="0" smtClean="0"/>
+          </a:p>
+          <a:p>
+            <a:r>
+              <a:rPr lang="en-US" altLang="ko-KR" sz="1100" dirty="0"/>
               <a:t> </a:t>
             </a:r>
             <a:r>
-              <a:rPr lang="en-US" altLang="ko-KR" sz="900" dirty="0" smtClean="0"/>
+              <a:rPr lang="en-US" altLang="ko-KR" sz="1100" dirty="0" smtClean="0"/>
               <a:t> </a:t>
             </a:r>
             <a:r>
-              <a:rPr lang="ko-KR" altLang="en-US" sz="900" dirty="0"/>
+              <a:rPr lang="ko-KR" altLang="en-US" sz="1100" dirty="0"/>
               <a:t> </a:t>
             </a:r>
             <a:r>
-              <a:rPr lang="en-US" altLang="ko-KR" sz="900" dirty="0" err="1" smtClean="0"/>
+              <a:rPr lang="en-US" altLang="ko-KR" sz="1100" dirty="0" err="1" smtClean="0"/>
               <a:t>target_position</a:t>
             </a:r>
             <a:r>
-              <a:rPr lang="en-US" altLang="ko-KR" sz="900" dirty="0" smtClean="0"/>
+              <a:rPr lang="en-US" altLang="ko-KR" sz="1100" dirty="0" smtClean="0"/>
               <a:t> = Actor List</a:t>
             </a:r>
             <a:r>
-              <a:rPr lang="ko-KR" altLang="en-US" sz="900" dirty="0" smtClean="0"/>
+              <a:rPr lang="ko-KR" altLang="en-US" sz="1100" dirty="0" smtClean="0"/>
               <a:t>에</a:t>
             </a:r>
             <a:r>
-              <a:rPr lang="en-US" altLang="ko-KR" sz="900" dirty="0" smtClean="0"/>
+              <a:rPr lang="en-US" altLang="ko-KR" sz="1100" dirty="0" smtClean="0"/>
               <a:t> </a:t>
             </a:r>
             <a:r>
-              <a:rPr lang="ko-KR" altLang="en-US" sz="900" dirty="0" smtClean="0"/>
+              <a:rPr lang="ko-KR" altLang="en-US" sz="1100" dirty="0" smtClean="0"/>
               <a:t>있는 </a:t>
             </a:r>
             <a:r>
-              <a:rPr lang="en-US" altLang="ko-KR" sz="900" dirty="0" smtClean="0"/>
+              <a:rPr lang="en-US" altLang="ko-KR" sz="1100" dirty="0" smtClean="0"/>
               <a:t>x, y, z</a:t>
             </a:r>
           </a:p>
           <a:p>
             <a:r>
-              <a:rPr lang="en-US" altLang="ko-KR" sz="900" dirty="0"/>
+              <a:rPr lang="en-US" altLang="ko-KR" sz="1100" dirty="0"/>
               <a:t> </a:t>
             </a:r>
             <a:r>
-              <a:rPr lang="en-US" altLang="ko-KR" sz="900" dirty="0" smtClean="0"/>
+              <a:rPr lang="en-US" altLang="ko-KR" sz="1100" dirty="0" smtClean="0"/>
               <a:t>  </a:t>
             </a:r>
             <a:r>
-              <a:rPr lang="en-US" altLang="ko-KR" sz="900" dirty="0" err="1" smtClean="0"/>
+              <a:rPr lang="en-US" altLang="ko-KR" sz="1100" dirty="0" err="1" smtClean="0"/>
               <a:t>current_position</a:t>
             </a:r>
-            <a:endParaRPr lang="en-US" altLang="ko-KR" sz="900" dirty="0" smtClean="0"/>
-          </a:p>
-          <a:p>
-            <a:r>
-              <a:rPr lang="en-US" altLang="ko-KR" sz="900" dirty="0"/>
+            <a:endParaRPr lang="en-US" altLang="ko-KR" sz="1100" dirty="0" smtClean="0"/>
+          </a:p>
+          <a:p>
+            <a:r>
+              <a:rPr lang="en-US" altLang="ko-KR" sz="1100" dirty="0"/>
               <a:t> </a:t>
             </a:r>
             <a:r>
-              <a:rPr lang="en-US" altLang="ko-KR" sz="900" dirty="0" smtClean="0"/>
+              <a:rPr lang="en-US" altLang="ko-KR" sz="1100" dirty="0" smtClean="0"/>
               <a:t>  </a:t>
             </a:r>
             <a:r>
-              <a:rPr lang="en-US" altLang="ko-KR" sz="900" dirty="0" err="1" smtClean="0"/>
+              <a:rPr lang="en-US" altLang="ko-KR" sz="1100" dirty="0" err="1" smtClean="0"/>
               <a:t>new_position</a:t>
             </a:r>
             <a:r>
-              <a:rPr lang="en-US" altLang="ko-KR" sz="900" dirty="0" smtClean="0"/>
+              <a:rPr lang="en-US" altLang="ko-KR" sz="1100" dirty="0" smtClean="0"/>
               <a:t> = </a:t>
             </a:r>
             <a:r>
-              <a:rPr lang="en-US" altLang="ko-KR" sz="900" dirty="0" err="1" smtClean="0"/>
+              <a:rPr lang="en-US" altLang="ko-KR" sz="1100" dirty="0" err="1" smtClean="0"/>
               <a:t>current_position</a:t>
             </a:r>
             <a:r>
-              <a:rPr lang="en-US" altLang="ko-KR" sz="900" dirty="0" smtClean="0"/>
+              <a:rPr lang="en-US" altLang="ko-KR" sz="1100" dirty="0" smtClean="0"/>
               <a:t> + (</a:t>
             </a:r>
             <a:r>
-              <a:rPr lang="en-US" altLang="ko-KR" sz="900" dirty="0" err="1" smtClean="0"/>
+              <a:rPr lang="en-US" altLang="ko-KR" sz="1100" dirty="0" err="1" smtClean="0"/>
               <a:t>target_position</a:t>
             </a:r>
             <a:r>
-              <a:rPr lang="en-US" altLang="ko-KR" sz="900" dirty="0" smtClean="0"/>
+              <a:rPr lang="en-US" altLang="ko-KR" sz="1100" dirty="0" smtClean="0"/>
               <a:t> – </a:t>
             </a:r>
             <a:r>
-              <a:rPr lang="en-US" altLang="ko-KR" sz="900" dirty="0" err="1" smtClean="0"/>
+              <a:rPr lang="en-US" altLang="ko-KR" sz="1100" dirty="0" err="1" smtClean="0"/>
               <a:t>current_position</a:t>
             </a:r>
             <a:r>
-              <a:rPr lang="en-US" altLang="ko-KR" sz="900" dirty="0" smtClean="0"/>
+              <a:rPr lang="en-US" altLang="ko-KR" sz="1100" dirty="0" smtClean="0"/>
               <a:t>) * (</a:t>
             </a:r>
             <a:r>
-              <a:rPr lang="ko-KR" altLang="en-US" sz="900" dirty="0" smtClean="0"/>
+              <a:rPr lang="ko-KR" altLang="en-US" sz="1100" dirty="0" smtClean="0"/>
               <a:t>단위이동거리 </a:t>
             </a:r>
             <a:r>
-              <a:rPr lang="en-US" altLang="ko-KR" sz="900" dirty="0" smtClean="0"/>
+              <a:rPr lang="en-US" altLang="ko-KR" sz="1100" dirty="0" smtClean="0"/>
               <a:t>/ </a:t>
             </a:r>
             <a:r>
-              <a:rPr lang="ko-KR" altLang="en-US" sz="900" dirty="0" smtClean="0"/>
+              <a:rPr lang="ko-KR" altLang="en-US" sz="1100" dirty="0" smtClean="0"/>
               <a:t>거리</a:t>
             </a:r>
             <a:r>
-              <a:rPr lang="en-US" altLang="ko-KR" sz="900" dirty="0" smtClean="0"/>
+              <a:rPr lang="en-US" altLang="ko-KR" sz="1100" dirty="0" smtClean="0"/>
               <a:t>(target, current))</a:t>
             </a:r>
           </a:p>
           <a:p>
             <a:r>
-              <a:rPr lang="en-US" altLang="ko-KR" sz="900" dirty="0"/>
+              <a:rPr lang="en-US" altLang="ko-KR" sz="1100" dirty="0"/>
               <a:t> </a:t>
             </a:r>
             <a:r>
-              <a:rPr lang="en-US" altLang="ko-KR" sz="900" dirty="0" smtClean="0"/>
+              <a:rPr lang="en-US" altLang="ko-KR" sz="1100" dirty="0" smtClean="0"/>
               <a:t>  </a:t>
             </a:r>
             <a:r>
-              <a:rPr lang="en-US" altLang="ko-KR" sz="900" dirty="0" err="1" smtClean="0"/>
+              <a:rPr lang="en-US" altLang="ko-KR" sz="1100" dirty="0" err="1" smtClean="0"/>
               <a:t>move_to</a:t>
             </a:r>
             <a:r>
-              <a:rPr lang="en-US" altLang="ko-KR" sz="900" dirty="0" smtClean="0"/>
+              <a:rPr lang="en-US" altLang="ko-KR" sz="1100" dirty="0" smtClean="0"/>
               <a:t>(</a:t>
             </a:r>
             <a:r>
-              <a:rPr lang="en-US" altLang="ko-KR" sz="900" dirty="0" err="1" smtClean="0"/>
+              <a:rPr lang="en-US" altLang="ko-KR" sz="1100" dirty="0" err="1" smtClean="0"/>
               <a:t>new_position</a:t>
             </a:r>
             <a:r>
-              <a:rPr lang="en-US" altLang="ko-KR" sz="900" dirty="0" smtClean="0"/>
+              <a:rPr lang="en-US" altLang="ko-KR" sz="1100" dirty="0" smtClean="0"/>
               <a:t>);</a:t>
             </a:r>
           </a:p>
           <a:p>
             <a:r>
-              <a:rPr lang="en-US" altLang="ko-KR" sz="900" dirty="0"/>
+              <a:rPr lang="en-US" altLang="ko-KR" sz="1100" dirty="0"/>
               <a:t>}</a:t>
             </a:r>
-            <a:endParaRPr lang="en-US" altLang="ko-KR" sz="900" dirty="0" smtClean="0"/>
-          </a:p>
-          <a:p>
-            <a:r>
-              <a:rPr lang="en-US" altLang="ko-KR" sz="900" dirty="0"/>
+            <a:endParaRPr lang="en-US" altLang="ko-KR" sz="1100" dirty="0" smtClean="0"/>
+          </a:p>
+          <a:p>
+            <a:r>
+              <a:rPr lang="en-US" altLang="ko-KR" sz="1100" dirty="0"/>
               <a:t>}</a:t>
             </a:r>
-            <a:endParaRPr lang="ko-KR" altLang="en-US" sz="900" dirty="0"/>
+            <a:endParaRPr lang="ko-KR" altLang="en-US" sz="1100" dirty="0"/>
           </a:p>
         </p:txBody>
       </p:sp>
@@ -3719,7 +3741,7 @@
         <p:spPr>
           <a:xfrm>
             <a:off x="7246171" y="2259106"/>
-            <a:ext cx="458096" cy="0"/>
+            <a:ext cx="623944" cy="0"/>
           </a:xfrm>
           <a:prstGeom prst="straightConnector1">
             <a:avLst/>
@@ -3754,8 +3776,8 @@
         </p:nvCxnSpPr>
         <p:spPr>
           <a:xfrm flipH="1">
-            <a:off x="5174429" y="2684033"/>
-            <a:ext cx="942189" cy="1662056"/>
+            <a:off x="5152913" y="2684033"/>
+            <a:ext cx="963705" cy="1662056"/>
           </a:xfrm>
           <a:prstGeom prst="straightConnector1">
             <a:avLst/>
@@ -3790,8 +3812,8 @@
         </p:nvCxnSpPr>
         <p:spPr>
           <a:xfrm rot="5400000">
-            <a:off x="8176261" y="4108974"/>
-            <a:ext cx="1651299" cy="1071281"/>
+            <a:off x="8650718" y="4204671"/>
+            <a:ext cx="1721223" cy="949811"/>
           </a:xfrm>
           <a:prstGeom prst="bentConnector2">
             <a:avLst/>
@@ -3853,7 +3875,7 @@
         </p:nvSpPr>
         <p:spPr>
           <a:xfrm>
-            <a:off x="7127824" y="1889774"/>
+            <a:off x="7223784" y="1958805"/>
             <a:ext cx="646331" cy="369332"/>
           </a:xfrm>
           <a:prstGeom prst="rect">
@@ -3939,6 +3961,945 @@
     <p:extLst>
       <p:ext uri="{BB962C8B-B14F-4D97-AF65-F5344CB8AC3E}">
         <p14:creationId xmlns:p14="http://schemas.microsoft.com/office/powerpoint/2010/main" val="2114401698"/>
+      </p:ext>
+    </p:extLst>
+  </p:cSld>
+  <p:clrMapOvr>
+    <a:masterClrMapping/>
+  </p:clrMapOvr>
+</p:sld>
+</file>
+
+<file path=ppt/slides/slide3.xml><?xml version="1.0" encoding="utf-8"?>
+<p:sld xmlns:a="http://schemas.openxmlformats.org/drawingml/2006/main" xmlns:r="http://schemas.openxmlformats.org/officeDocument/2006/relationships" xmlns:p="http://schemas.openxmlformats.org/presentationml/2006/main">
+  <p:cSld>
+    <p:spTree>
+      <p:nvGrpSpPr>
+        <p:cNvPr id="1" name=""/>
+        <p:cNvGrpSpPr/>
+        <p:nvPr/>
+      </p:nvGrpSpPr>
+      <p:grpSpPr>
+        <a:xfrm>
+          <a:off x="0" y="0"/>
+          <a:ext cx="0" cy="0"/>
+          <a:chOff x="0" y="0"/>
+          <a:chExt cx="0" cy="0"/>
+        </a:xfrm>
+      </p:grpSpPr>
+      <p:sp>
+        <p:nvSpPr>
+          <p:cNvPr id="2" name="직사각형 1"/>
+          <p:cNvSpPr/>
+          <p:nvPr/>
+        </p:nvSpPr>
+        <p:spPr>
+          <a:xfrm>
+            <a:off x="494851" y="699247"/>
+            <a:ext cx="4034118" cy="3119718"/>
+          </a:xfrm>
+          <a:prstGeom prst="rect">
+            <a:avLst/>
+          </a:prstGeom>
+        </p:spPr>
+        <p:style>
+          <a:lnRef idx="2">
+            <a:schemeClr val="accent1">
+              <a:shade val="50000"/>
+            </a:schemeClr>
+          </a:lnRef>
+          <a:fillRef idx="1">
+            <a:schemeClr val="accent1"/>
+          </a:fillRef>
+          <a:effectRef idx="0">
+            <a:schemeClr val="accent1"/>
+          </a:effectRef>
+          <a:fontRef idx="minor">
+            <a:schemeClr val="lt1"/>
+          </a:fontRef>
+        </p:style>
+        <p:txBody>
+          <a:bodyPr rtlCol="0" anchor="ctr"/>
+          <a:lstStyle/>
+          <a:p>
+            <a:r>
+              <a:rPr lang="ko-KR" altLang="en-US" dirty="0" err="1" smtClean="0"/>
+              <a:t>액터</a:t>
+            </a:r>
+            <a:r>
+              <a:rPr lang="ko-KR" altLang="en-US" dirty="0" smtClean="0"/>
+              <a:t> 리스트</a:t>
+            </a:r>
+            <a:endParaRPr lang="en-US" altLang="ko-KR" dirty="0" smtClean="0"/>
+          </a:p>
+          <a:p>
+            <a:endParaRPr lang="en-US" altLang="ko-KR" dirty="0"/>
+          </a:p>
+          <a:p>
+            <a:r>
+              <a:rPr lang="en-US" altLang="ko-KR" dirty="0" err="1" smtClean="0"/>
+              <a:t>struct</a:t>
+            </a:r>
+            <a:r>
+              <a:rPr lang="en-US" altLang="ko-KR" dirty="0" smtClean="0"/>
+              <a:t> </a:t>
+            </a:r>
+            <a:r>
+              <a:rPr lang="en-US" altLang="ko-KR" dirty="0" err="1" smtClean="0"/>
+              <a:t>actor_info</a:t>
+            </a:r>
+            <a:r>
+              <a:rPr lang="en-US" altLang="ko-KR" dirty="0" smtClean="0"/>
+              <a:t> {</a:t>
+            </a:r>
+          </a:p>
+          <a:p>
+            <a:r>
+              <a:rPr lang="en-US" altLang="ko-KR" dirty="0"/>
+              <a:t> </a:t>
+            </a:r>
+            <a:r>
+              <a:rPr lang="en-US" altLang="ko-KR" dirty="0" smtClean="0"/>
+              <a:t> bool active = false;</a:t>
+            </a:r>
+          </a:p>
+          <a:p>
+            <a:r>
+              <a:rPr lang="en-US" altLang="ko-KR" dirty="0"/>
+              <a:t> </a:t>
+            </a:r>
+            <a:r>
+              <a:rPr lang="en-US" altLang="ko-KR" dirty="0" smtClean="0"/>
+              <a:t> </a:t>
+            </a:r>
+            <a:r>
+              <a:rPr lang="en-US" altLang="ko-KR" dirty="0" err="1" smtClean="0"/>
+              <a:t>int</a:t>
+            </a:r>
+            <a:r>
+              <a:rPr lang="en-US" altLang="ko-KR" dirty="0" smtClean="0"/>
+              <a:t> </a:t>
+            </a:r>
+            <a:r>
+              <a:rPr lang="en-US" altLang="ko-KR" dirty="0" err="1" smtClean="0"/>
+              <a:t>player_id</a:t>
+            </a:r>
+            <a:r>
+              <a:rPr lang="en-US" altLang="ko-KR" dirty="0" smtClean="0"/>
+              <a:t>;</a:t>
+            </a:r>
+          </a:p>
+          <a:p>
+            <a:r>
+              <a:rPr lang="en-US" altLang="ko-KR" dirty="0"/>
+              <a:t> </a:t>
+            </a:r>
+            <a:r>
+              <a:rPr lang="en-US" altLang="ko-KR" dirty="0" smtClean="0"/>
+              <a:t> float x, y, z;</a:t>
+            </a:r>
+          </a:p>
+          <a:p>
+            <a:r>
+              <a:rPr lang="en-US" altLang="ko-KR" dirty="0" smtClean="0"/>
+              <a:t>};</a:t>
+            </a:r>
+          </a:p>
+          <a:p>
+            <a:endParaRPr lang="en-US" altLang="ko-KR" dirty="0"/>
+          </a:p>
+          <a:p>
+            <a:r>
+              <a:rPr lang="en-US" altLang="ko-KR" dirty="0" err="1" smtClean="0"/>
+              <a:t>actor_info</a:t>
+            </a:r>
+            <a:r>
+              <a:rPr lang="en-US" altLang="ko-KR" dirty="0" smtClean="0"/>
+              <a:t> ACTOR_LIST[MAX_PLAYER];</a:t>
+            </a:r>
+          </a:p>
+          <a:p>
+            <a:endParaRPr lang="en-US" altLang="ko-KR" dirty="0"/>
+          </a:p>
+          <a:p>
+            <a:endParaRPr lang="en-US" altLang="ko-KR" dirty="0" smtClean="0"/>
+          </a:p>
+          <a:p>
+            <a:endParaRPr lang="en-US" altLang="ko-KR" dirty="0" smtClean="0"/>
+          </a:p>
+        </p:txBody>
+      </p:sp>
+      <p:sp>
+        <p:nvSpPr>
+          <p:cNvPr id="16" name="직사각형 15"/>
+          <p:cNvSpPr/>
+          <p:nvPr/>
+        </p:nvSpPr>
+        <p:spPr>
+          <a:xfrm>
+            <a:off x="5479230" y="453615"/>
+            <a:ext cx="6712770" cy="3119718"/>
+          </a:xfrm>
+          <a:prstGeom prst="rect">
+            <a:avLst/>
+          </a:prstGeom>
+        </p:spPr>
+        <p:style>
+          <a:lnRef idx="2">
+            <a:schemeClr val="accent1">
+              <a:shade val="50000"/>
+            </a:schemeClr>
+          </a:lnRef>
+          <a:fillRef idx="1">
+            <a:schemeClr val="accent1"/>
+          </a:fillRef>
+          <a:effectRef idx="0">
+            <a:schemeClr val="accent1"/>
+          </a:effectRef>
+          <a:fontRef idx="minor">
+            <a:schemeClr val="lt1"/>
+          </a:fontRef>
+        </p:style>
+        <p:txBody>
+          <a:bodyPr rtlCol="0" anchor="ctr"/>
+          <a:lstStyle/>
+          <a:p>
+            <a:endParaRPr lang="en-US" altLang="ko-KR" dirty="0"/>
+          </a:p>
+          <a:p>
+            <a:pPr algn="ctr"/>
+            <a:r>
+              <a:rPr lang="ko-KR" altLang="en-US" dirty="0"/>
+              <a:t>다른 플레이어 캐릭터 </a:t>
+            </a:r>
+            <a:r>
+              <a:rPr lang="en-US" altLang="ko-KR" dirty="0" smtClean="0"/>
+              <a:t>Actor</a:t>
+            </a:r>
+            <a:endParaRPr lang="en-US" altLang="ko-KR" dirty="0"/>
+          </a:p>
+          <a:p>
+            <a:r>
+              <a:rPr lang="en-US" altLang="ko-KR" dirty="0"/>
+              <a:t>Tick()</a:t>
+            </a:r>
+          </a:p>
+          <a:p>
+            <a:r>
+              <a:rPr lang="en-US" altLang="ko-KR" dirty="0"/>
+              <a:t>{</a:t>
+            </a:r>
+          </a:p>
+          <a:p>
+            <a:r>
+              <a:rPr lang="en-US" altLang="ko-KR" dirty="0" smtClean="0"/>
+              <a:t>   </a:t>
+            </a:r>
+            <a:r>
+              <a:rPr lang="en-US" altLang="ko-KR" dirty="0" err="1" smtClean="0"/>
+              <a:t>target_position.x</a:t>
+            </a:r>
+            <a:r>
+              <a:rPr lang="en-US" altLang="ko-KR" dirty="0" smtClean="0"/>
+              <a:t> </a:t>
+            </a:r>
+            <a:r>
+              <a:rPr lang="en-US" altLang="ko-KR" dirty="0"/>
+              <a:t>= </a:t>
+            </a:r>
+            <a:r>
+              <a:rPr lang="en-US" altLang="ko-KR" dirty="0" smtClean="0"/>
+              <a:t>ACTOR_LIST[</a:t>
+            </a:r>
+            <a:r>
+              <a:rPr lang="en-US" altLang="ko-KR" dirty="0" err="1" smtClean="0"/>
+              <a:t>my_player_id</a:t>
+            </a:r>
+            <a:r>
+              <a:rPr lang="en-US" altLang="ko-KR" dirty="0" smtClean="0"/>
+              <a:t>].x;</a:t>
+            </a:r>
+          </a:p>
+          <a:p>
+            <a:endParaRPr lang="en-US" altLang="ko-KR" dirty="0"/>
+          </a:p>
+          <a:p>
+            <a:r>
+              <a:rPr lang="en-US" altLang="ko-KR" dirty="0" err="1" smtClean="0"/>
+              <a:t>new_position</a:t>
+            </a:r>
+            <a:r>
+              <a:rPr lang="en-US" altLang="ko-KR" dirty="0" smtClean="0"/>
+              <a:t> </a:t>
+            </a:r>
+            <a:r>
+              <a:rPr lang="en-US" altLang="ko-KR" dirty="0"/>
+              <a:t>= </a:t>
+            </a:r>
+            <a:r>
+              <a:rPr lang="en-US" altLang="ko-KR" dirty="0" err="1"/>
+              <a:t>current_position</a:t>
+            </a:r>
+            <a:r>
+              <a:rPr lang="en-US" altLang="ko-KR" dirty="0"/>
+              <a:t> + (</a:t>
+            </a:r>
+            <a:r>
+              <a:rPr lang="en-US" altLang="ko-KR" dirty="0" err="1"/>
+              <a:t>target_position</a:t>
+            </a:r>
+            <a:r>
+              <a:rPr lang="en-US" altLang="ko-KR" dirty="0"/>
+              <a:t> – </a:t>
+            </a:r>
+            <a:r>
+              <a:rPr lang="en-US" altLang="ko-KR" dirty="0" err="1"/>
+              <a:t>current_position</a:t>
+            </a:r>
+            <a:r>
+              <a:rPr lang="en-US" altLang="ko-KR" dirty="0"/>
+              <a:t>) * (</a:t>
+            </a:r>
+            <a:r>
+              <a:rPr lang="ko-KR" altLang="en-US" dirty="0"/>
+              <a:t>단위이동거리 </a:t>
+            </a:r>
+            <a:r>
+              <a:rPr lang="en-US" altLang="ko-KR" dirty="0"/>
+              <a:t>/ </a:t>
+            </a:r>
+            <a:r>
+              <a:rPr lang="ko-KR" altLang="en-US" dirty="0"/>
+              <a:t>거리</a:t>
+            </a:r>
+            <a:r>
+              <a:rPr lang="en-US" altLang="ko-KR" dirty="0"/>
+              <a:t>(target, current))</a:t>
+            </a:r>
+          </a:p>
+          <a:p>
+            <a:r>
+              <a:rPr lang="en-US" altLang="ko-KR" dirty="0"/>
+              <a:t>   </a:t>
+            </a:r>
+            <a:r>
+              <a:rPr lang="en-US" altLang="ko-KR" dirty="0" err="1"/>
+              <a:t>move_to</a:t>
+            </a:r>
+            <a:r>
+              <a:rPr lang="en-US" altLang="ko-KR" dirty="0"/>
+              <a:t>(</a:t>
+            </a:r>
+            <a:r>
+              <a:rPr lang="en-US" altLang="ko-KR" dirty="0" err="1"/>
+              <a:t>new_position</a:t>
+            </a:r>
+            <a:r>
+              <a:rPr lang="en-US" altLang="ko-KR" dirty="0"/>
+              <a:t>);</a:t>
+            </a:r>
+          </a:p>
+          <a:p>
+            <a:r>
+              <a:rPr lang="en-US" altLang="ko-KR" dirty="0"/>
+              <a:t>}</a:t>
+            </a:r>
+          </a:p>
+          <a:p>
+            <a:r>
+              <a:rPr lang="en-US" altLang="ko-KR" dirty="0"/>
+              <a:t>}</a:t>
+            </a:r>
+            <a:endParaRPr lang="ko-KR" altLang="en-US" dirty="0"/>
+          </a:p>
+        </p:txBody>
+      </p:sp>
+      <p:sp>
+        <p:nvSpPr>
+          <p:cNvPr id="17" name="직사각형 16"/>
+          <p:cNvSpPr/>
+          <p:nvPr/>
+        </p:nvSpPr>
+        <p:spPr>
+          <a:xfrm>
+            <a:off x="4606068" y="3709596"/>
+            <a:ext cx="6712770" cy="3119718"/>
+          </a:xfrm>
+          <a:prstGeom prst="rect">
+            <a:avLst/>
+          </a:prstGeom>
+        </p:spPr>
+        <p:style>
+          <a:lnRef idx="2">
+            <a:schemeClr val="accent1">
+              <a:shade val="50000"/>
+            </a:schemeClr>
+          </a:lnRef>
+          <a:fillRef idx="1">
+            <a:schemeClr val="accent1"/>
+          </a:fillRef>
+          <a:effectRef idx="0">
+            <a:schemeClr val="accent1"/>
+          </a:effectRef>
+          <a:fontRef idx="minor">
+            <a:schemeClr val="lt1"/>
+          </a:fontRef>
+        </p:style>
+        <p:txBody>
+          <a:bodyPr rtlCol="0" anchor="ctr"/>
+          <a:lstStyle/>
+          <a:p>
+            <a:endParaRPr lang="en-US" altLang="ko-KR" dirty="0"/>
+          </a:p>
+          <a:p>
+            <a:pPr algn="ctr"/>
+            <a:r>
+              <a:rPr lang="en-US" altLang="ko-KR" dirty="0" err="1" smtClean="0"/>
+              <a:t>AvatarActor</a:t>
+            </a:r>
+            <a:endParaRPr lang="en-US" altLang="ko-KR" dirty="0"/>
+          </a:p>
+          <a:p>
+            <a:r>
+              <a:rPr lang="en-US" altLang="ko-KR" dirty="0"/>
+              <a:t>Tick()</a:t>
+            </a:r>
+          </a:p>
+          <a:p>
+            <a:r>
+              <a:rPr lang="en-US" altLang="ko-KR" dirty="0"/>
+              <a:t>{</a:t>
+            </a:r>
+          </a:p>
+          <a:p>
+            <a:r>
+              <a:rPr lang="en-US" altLang="ko-KR" dirty="0" smtClean="0"/>
+              <a:t>    </a:t>
+            </a:r>
+            <a:r>
+              <a:rPr lang="en-US" altLang="ko-KR" dirty="0" err="1" smtClean="0"/>
+              <a:t>send_to_server</a:t>
+            </a:r>
+            <a:r>
+              <a:rPr lang="en-US" altLang="ko-KR" dirty="0" smtClean="0"/>
+              <a:t>(id, x, y, z);</a:t>
+            </a:r>
+            <a:endParaRPr lang="en-US" altLang="ko-KR" dirty="0"/>
+          </a:p>
+          <a:p>
+            <a:r>
+              <a:rPr lang="en-US" altLang="ko-KR" dirty="0"/>
+              <a:t>}</a:t>
+            </a:r>
+            <a:endParaRPr lang="ko-KR" altLang="en-US" dirty="0"/>
+          </a:p>
+        </p:txBody>
+      </p:sp>
+    </p:spTree>
+    <p:extLst>
+      <p:ext uri="{BB962C8B-B14F-4D97-AF65-F5344CB8AC3E}">
+        <p14:creationId xmlns:p14="http://schemas.microsoft.com/office/powerpoint/2010/main" val="1973978161"/>
+      </p:ext>
+    </p:extLst>
+  </p:cSld>
+  <p:clrMapOvr>
+    <a:masterClrMapping/>
+  </p:clrMapOvr>
+</p:sld>
+</file>
+
+<file path=ppt/slides/slide4.xml><?xml version="1.0" encoding="utf-8"?>
+<p:sld xmlns:a="http://schemas.openxmlformats.org/drawingml/2006/main" xmlns:r="http://schemas.openxmlformats.org/officeDocument/2006/relationships" xmlns:p="http://schemas.openxmlformats.org/presentationml/2006/main">
+  <p:cSld>
+    <p:spTree>
+      <p:nvGrpSpPr>
+        <p:cNvPr id="1" name=""/>
+        <p:cNvGrpSpPr/>
+        <p:nvPr/>
+      </p:nvGrpSpPr>
+      <p:grpSpPr>
+        <a:xfrm>
+          <a:off x="0" y="0"/>
+          <a:ext cx="0" cy="0"/>
+          <a:chOff x="0" y="0"/>
+          <a:chExt cx="0" cy="0"/>
+        </a:xfrm>
+      </p:grpSpPr>
+      <p:sp>
+        <p:nvSpPr>
+          <p:cNvPr id="17" name="직사각형 16"/>
+          <p:cNvSpPr/>
+          <p:nvPr/>
+        </p:nvSpPr>
+        <p:spPr>
+          <a:xfrm>
+            <a:off x="389071" y="0"/>
+            <a:ext cx="6712770" cy="6666154"/>
+          </a:xfrm>
+          <a:prstGeom prst="rect">
+            <a:avLst/>
+          </a:prstGeom>
+        </p:spPr>
+        <p:style>
+          <a:lnRef idx="2">
+            <a:schemeClr val="accent1">
+              <a:shade val="50000"/>
+            </a:schemeClr>
+          </a:lnRef>
+          <a:fillRef idx="1">
+            <a:schemeClr val="accent1"/>
+          </a:fillRef>
+          <a:effectRef idx="0">
+            <a:schemeClr val="accent1"/>
+          </a:effectRef>
+          <a:fontRef idx="minor">
+            <a:schemeClr val="lt1"/>
+          </a:fontRef>
+        </p:style>
+        <p:txBody>
+          <a:bodyPr rtlCol="0" anchor="ctr"/>
+          <a:lstStyle/>
+          <a:p>
+            <a:pPr algn="ctr"/>
+            <a:r>
+              <a:rPr lang="en-US" altLang="ko-KR" dirty="0" smtClean="0"/>
+              <a:t>Network Thread</a:t>
+            </a:r>
+            <a:endParaRPr lang="en-US" altLang="ko-KR" dirty="0"/>
+          </a:p>
+          <a:p>
+            <a:r>
+              <a:rPr lang="en-US" altLang="ko-KR" dirty="0" smtClean="0"/>
+              <a:t>while(true) {</a:t>
+            </a:r>
+          </a:p>
+          <a:p>
+            <a:r>
+              <a:rPr lang="en-US" altLang="ko-KR" dirty="0"/>
+              <a:t> </a:t>
+            </a:r>
+            <a:r>
+              <a:rPr lang="en-US" altLang="ko-KR" dirty="0" smtClean="0"/>
+              <a:t>   </a:t>
+            </a:r>
+            <a:r>
+              <a:rPr lang="en-US" altLang="ko-KR" dirty="0" err="1" smtClean="0"/>
+              <a:t>recv</a:t>
+            </a:r>
+            <a:r>
+              <a:rPr lang="en-US" altLang="ko-KR" dirty="0" smtClean="0"/>
+              <a:t>(server, </a:t>
+            </a:r>
+            <a:r>
+              <a:rPr lang="en-US" altLang="ko-KR" dirty="0" err="1" smtClean="0"/>
+              <a:t>buf</a:t>
+            </a:r>
+            <a:r>
+              <a:rPr lang="en-US" altLang="ko-KR" dirty="0" smtClean="0"/>
+              <a:t>);</a:t>
+            </a:r>
+          </a:p>
+          <a:p>
+            <a:r>
+              <a:rPr lang="en-US" altLang="ko-KR" dirty="0"/>
+              <a:t> </a:t>
+            </a:r>
+            <a:r>
+              <a:rPr lang="en-US" altLang="ko-KR" dirty="0" smtClean="0"/>
+              <a:t>   switch(</a:t>
+            </a:r>
+            <a:r>
+              <a:rPr lang="en-US" altLang="ko-KR" dirty="0" err="1" smtClean="0"/>
+              <a:t>buf</a:t>
+            </a:r>
+            <a:r>
+              <a:rPr lang="en-US" altLang="ko-KR" dirty="0" smtClean="0"/>
+              <a:t>[0]) {</a:t>
+            </a:r>
+          </a:p>
+          <a:p>
+            <a:r>
+              <a:rPr lang="en-US" altLang="ko-KR" dirty="0"/>
+              <a:t> </a:t>
+            </a:r>
+            <a:r>
+              <a:rPr lang="en-US" altLang="ko-KR" dirty="0" smtClean="0"/>
+              <a:t>      case MOVE_PACKET : {</a:t>
+            </a:r>
+          </a:p>
+          <a:p>
+            <a:r>
+              <a:rPr lang="en-US" altLang="ko-KR" dirty="0"/>
+              <a:t> </a:t>
+            </a:r>
+            <a:r>
+              <a:rPr lang="en-US" altLang="ko-KR" dirty="0" smtClean="0"/>
+              <a:t>              </a:t>
+            </a:r>
+            <a:r>
+              <a:rPr lang="en-US" altLang="ko-KR" dirty="0" err="1" smtClean="0"/>
+              <a:t>int</a:t>
+            </a:r>
+            <a:r>
+              <a:rPr lang="en-US" altLang="ko-KR" dirty="0" smtClean="0"/>
+              <a:t> </a:t>
+            </a:r>
+            <a:r>
+              <a:rPr lang="en-US" altLang="ko-KR" dirty="0" err="1" smtClean="0"/>
+              <a:t>pl_id</a:t>
+            </a:r>
+            <a:r>
+              <a:rPr lang="en-US" altLang="ko-KR" dirty="0" smtClean="0"/>
+              <a:t> = </a:t>
+            </a:r>
+            <a:r>
+              <a:rPr lang="en-US" altLang="ko-KR" dirty="0" err="1" smtClean="0"/>
+              <a:t>buf</a:t>
+            </a:r>
+            <a:r>
+              <a:rPr lang="en-US" altLang="ko-KR" dirty="0" smtClean="0"/>
+              <a:t>[1];</a:t>
+            </a:r>
+          </a:p>
+          <a:p>
+            <a:r>
+              <a:rPr lang="en-US" altLang="ko-KR" dirty="0"/>
+              <a:t> </a:t>
+            </a:r>
+            <a:r>
+              <a:rPr lang="en-US" altLang="ko-KR" dirty="0" smtClean="0"/>
+              <a:t>              ACTOR_LIST[</a:t>
+            </a:r>
+            <a:r>
+              <a:rPr lang="en-US" altLang="ko-KR" dirty="0" err="1" smtClean="0"/>
+              <a:t>pl_id</a:t>
+            </a:r>
+            <a:r>
+              <a:rPr lang="en-US" altLang="ko-KR" dirty="0"/>
+              <a:t>].x = *(float *)(&amp;</a:t>
+            </a:r>
+            <a:r>
+              <a:rPr lang="en-US" altLang="ko-KR" dirty="0" err="1"/>
+              <a:t>buf</a:t>
+            </a:r>
+            <a:r>
+              <a:rPr lang="en-US" altLang="ko-KR" dirty="0"/>
+              <a:t>[2</a:t>
+            </a:r>
+            <a:r>
+              <a:rPr lang="en-US" altLang="ko-KR" dirty="0" smtClean="0"/>
+              <a:t>]);</a:t>
+            </a:r>
+            <a:r>
+              <a:rPr lang="en-US" altLang="ko-KR" dirty="0"/>
+              <a:t> </a:t>
+            </a:r>
+            <a:r>
+              <a:rPr lang="en-US" altLang="ko-KR" dirty="0" smtClean="0"/>
+              <a:t>                    </a:t>
+            </a:r>
+          </a:p>
+          <a:p>
+            <a:r>
+              <a:rPr lang="en-US" altLang="ko-KR" dirty="0"/>
+              <a:t> </a:t>
+            </a:r>
+            <a:r>
+              <a:rPr lang="en-US" altLang="ko-KR" dirty="0" smtClean="0"/>
+              <a:t>              ACTOR_LIST[</a:t>
+            </a:r>
+            <a:r>
+              <a:rPr lang="en-US" altLang="ko-KR" dirty="0" err="1" smtClean="0"/>
+              <a:t>pl_id</a:t>
+            </a:r>
+            <a:r>
+              <a:rPr lang="en-US" altLang="ko-KR" dirty="0" smtClean="0"/>
+              <a:t>].y </a:t>
+            </a:r>
+            <a:r>
+              <a:rPr lang="en-US" altLang="ko-KR" dirty="0"/>
+              <a:t>= *(float *)(&amp;</a:t>
+            </a:r>
+            <a:r>
+              <a:rPr lang="en-US" altLang="ko-KR" dirty="0" err="1" smtClean="0"/>
+              <a:t>buf</a:t>
+            </a:r>
+            <a:r>
+              <a:rPr lang="en-US" altLang="ko-KR" dirty="0" smtClean="0"/>
+              <a:t>[6]); </a:t>
+            </a:r>
+          </a:p>
+          <a:p>
+            <a:r>
+              <a:rPr lang="en-US" altLang="ko-KR" dirty="0"/>
+              <a:t> </a:t>
+            </a:r>
+            <a:r>
+              <a:rPr lang="en-US" altLang="ko-KR" dirty="0" smtClean="0"/>
+              <a:t>              ACTOR_LIST[</a:t>
+            </a:r>
+            <a:r>
+              <a:rPr lang="en-US" altLang="ko-KR" dirty="0" err="1" smtClean="0"/>
+              <a:t>pl_id</a:t>
+            </a:r>
+            <a:r>
+              <a:rPr lang="en-US" altLang="ko-KR" dirty="0" smtClean="0"/>
+              <a:t>].z </a:t>
+            </a:r>
+            <a:r>
+              <a:rPr lang="en-US" altLang="ko-KR" dirty="0"/>
+              <a:t>= *(float *)(&amp;</a:t>
+            </a:r>
+            <a:r>
+              <a:rPr lang="en-US" altLang="ko-KR" dirty="0" err="1" smtClean="0"/>
+              <a:t>buf</a:t>
+            </a:r>
+            <a:r>
+              <a:rPr lang="en-US" altLang="ko-KR" dirty="0" smtClean="0"/>
+              <a:t>[8]);           </a:t>
+            </a:r>
+          </a:p>
+          <a:p>
+            <a:r>
+              <a:rPr lang="en-US" altLang="ko-KR" dirty="0"/>
+              <a:t> </a:t>
+            </a:r>
+            <a:r>
+              <a:rPr lang="en-US" altLang="ko-KR" dirty="0" smtClean="0"/>
+              <a:t>      }</a:t>
+            </a:r>
+          </a:p>
+          <a:p>
+            <a:r>
+              <a:rPr lang="en-US" altLang="ko-KR" dirty="0"/>
+              <a:t> </a:t>
+            </a:r>
+            <a:r>
+              <a:rPr lang="en-US" altLang="ko-KR" dirty="0" smtClean="0"/>
+              <a:t>      case NEW_PLAYER_ADDED_PACKET : {</a:t>
+            </a:r>
+          </a:p>
+          <a:p>
+            <a:r>
+              <a:rPr lang="en-US" altLang="ko-KR" dirty="0"/>
+              <a:t> </a:t>
+            </a:r>
+            <a:r>
+              <a:rPr lang="en-US" altLang="ko-KR" dirty="0" smtClean="0"/>
+              <a:t>              </a:t>
+            </a:r>
+            <a:r>
+              <a:rPr lang="en-US" altLang="ko-KR" dirty="0" err="1" smtClean="0"/>
+              <a:t>int</a:t>
+            </a:r>
+            <a:r>
+              <a:rPr lang="en-US" altLang="ko-KR" dirty="0" smtClean="0"/>
+              <a:t> </a:t>
+            </a:r>
+            <a:r>
+              <a:rPr lang="en-US" altLang="ko-KR" dirty="0" err="1"/>
+              <a:t>pl_id</a:t>
+            </a:r>
+            <a:r>
+              <a:rPr lang="en-US" altLang="ko-KR" dirty="0"/>
+              <a:t> = </a:t>
+            </a:r>
+            <a:r>
+              <a:rPr lang="en-US" altLang="ko-KR" dirty="0" err="1"/>
+              <a:t>buf</a:t>
+            </a:r>
+            <a:r>
+              <a:rPr lang="en-US" altLang="ko-KR" dirty="0"/>
+              <a:t>[1</a:t>
+            </a:r>
+            <a:r>
+              <a:rPr lang="en-US" altLang="ko-KR" dirty="0" smtClean="0"/>
+              <a:t>];</a:t>
+            </a:r>
+          </a:p>
+          <a:p>
+            <a:r>
+              <a:rPr lang="en-US" altLang="ko-KR" dirty="0"/>
+              <a:t> </a:t>
+            </a:r>
+            <a:r>
+              <a:rPr lang="en-US" altLang="ko-KR" dirty="0" smtClean="0"/>
+              <a:t>              ACTOR_LIST[</a:t>
+            </a:r>
+            <a:r>
+              <a:rPr lang="en-US" altLang="ko-KR" dirty="0" err="1" smtClean="0"/>
+              <a:t>pl_id</a:t>
+            </a:r>
+            <a:r>
+              <a:rPr lang="en-US" altLang="ko-KR" dirty="0" smtClean="0"/>
+              <a:t>].active = true;</a:t>
+            </a:r>
+            <a:endParaRPr lang="en-US" altLang="ko-KR" dirty="0"/>
+          </a:p>
+          <a:p>
+            <a:r>
+              <a:rPr lang="en-US" altLang="ko-KR" dirty="0"/>
+              <a:t>               ACTOR_LIST[</a:t>
+            </a:r>
+            <a:r>
+              <a:rPr lang="en-US" altLang="ko-KR" dirty="0" err="1"/>
+              <a:t>pl_id</a:t>
+            </a:r>
+            <a:r>
+              <a:rPr lang="en-US" altLang="ko-KR" dirty="0"/>
+              <a:t>].x = *(float *)(&amp;</a:t>
+            </a:r>
+            <a:r>
+              <a:rPr lang="en-US" altLang="ko-KR" dirty="0" err="1"/>
+              <a:t>buf</a:t>
+            </a:r>
+            <a:r>
+              <a:rPr lang="en-US" altLang="ko-KR" dirty="0"/>
+              <a:t>[2]);                     </a:t>
+            </a:r>
+          </a:p>
+          <a:p>
+            <a:r>
+              <a:rPr lang="en-US" altLang="ko-KR" dirty="0"/>
+              <a:t>               ACTOR_LIST[</a:t>
+            </a:r>
+            <a:r>
+              <a:rPr lang="en-US" altLang="ko-KR" dirty="0" err="1"/>
+              <a:t>pl_id</a:t>
+            </a:r>
+            <a:r>
+              <a:rPr lang="en-US" altLang="ko-KR" dirty="0"/>
+              <a:t>].y = *(float *)(&amp;</a:t>
+            </a:r>
+            <a:r>
+              <a:rPr lang="en-US" altLang="ko-KR" dirty="0" err="1"/>
+              <a:t>buf</a:t>
+            </a:r>
+            <a:r>
+              <a:rPr lang="en-US" altLang="ko-KR" dirty="0"/>
+              <a:t>[6]); </a:t>
+            </a:r>
+          </a:p>
+          <a:p>
+            <a:r>
+              <a:rPr lang="en-US" altLang="ko-KR" dirty="0"/>
+              <a:t>               ACTOR_LIST[</a:t>
+            </a:r>
+            <a:r>
+              <a:rPr lang="en-US" altLang="ko-KR" dirty="0" err="1"/>
+              <a:t>pl_id</a:t>
+            </a:r>
+            <a:r>
+              <a:rPr lang="en-US" altLang="ko-KR" dirty="0"/>
+              <a:t>].z = *(float *)(&amp;</a:t>
+            </a:r>
+            <a:r>
+              <a:rPr lang="en-US" altLang="ko-KR" dirty="0" err="1"/>
+              <a:t>buf</a:t>
+            </a:r>
+            <a:r>
+              <a:rPr lang="en-US" altLang="ko-KR" dirty="0"/>
+              <a:t>[8]);           </a:t>
+            </a:r>
+            <a:endParaRPr lang="en-US" altLang="ko-KR" dirty="0" smtClean="0"/>
+          </a:p>
+          <a:p>
+            <a:r>
+              <a:rPr lang="en-US" altLang="ko-KR" dirty="0"/>
+              <a:t> </a:t>
+            </a:r>
+            <a:r>
+              <a:rPr lang="en-US" altLang="ko-KR" dirty="0" smtClean="0"/>
+              <a:t>      }</a:t>
+            </a:r>
+          </a:p>
+          <a:p>
+            <a:r>
+              <a:rPr lang="en-US" altLang="ko-KR" dirty="0" smtClean="0"/>
+              <a:t>      </a:t>
+            </a:r>
+            <a:r>
+              <a:rPr lang="en-US" altLang="ko-KR" dirty="0"/>
+              <a:t>case </a:t>
+            </a:r>
+            <a:r>
+              <a:rPr lang="en-US" altLang="ko-KR" dirty="0" smtClean="0"/>
+              <a:t>NEW_PLAYER_LOGOUT_PACKET </a:t>
+            </a:r>
+            <a:r>
+              <a:rPr lang="en-US" altLang="ko-KR" dirty="0"/>
+              <a:t>: {</a:t>
+            </a:r>
+          </a:p>
+          <a:p>
+            <a:r>
+              <a:rPr lang="en-US" altLang="ko-KR" dirty="0"/>
+              <a:t>               </a:t>
+            </a:r>
+            <a:r>
+              <a:rPr lang="en-US" altLang="ko-KR" dirty="0" err="1"/>
+              <a:t>int</a:t>
+            </a:r>
+            <a:r>
+              <a:rPr lang="en-US" altLang="ko-KR" dirty="0"/>
+              <a:t> </a:t>
+            </a:r>
+            <a:r>
+              <a:rPr lang="en-US" altLang="ko-KR" dirty="0" err="1"/>
+              <a:t>pl_id</a:t>
+            </a:r>
+            <a:r>
+              <a:rPr lang="en-US" altLang="ko-KR" dirty="0"/>
+              <a:t> = </a:t>
+            </a:r>
+            <a:r>
+              <a:rPr lang="en-US" altLang="ko-KR" dirty="0" err="1"/>
+              <a:t>buf</a:t>
+            </a:r>
+            <a:r>
+              <a:rPr lang="en-US" altLang="ko-KR" dirty="0"/>
+              <a:t>[1];</a:t>
+            </a:r>
+          </a:p>
+          <a:p>
+            <a:r>
+              <a:rPr lang="en-US" altLang="ko-KR" dirty="0"/>
+              <a:t>               </a:t>
+            </a:r>
+            <a:r>
+              <a:rPr lang="en-US" altLang="ko-KR" dirty="0" smtClean="0"/>
+              <a:t>ACTOR_LIST[</a:t>
+            </a:r>
+            <a:r>
+              <a:rPr lang="en-US" altLang="ko-KR" dirty="0" err="1" smtClean="0"/>
+              <a:t>pl_id</a:t>
+            </a:r>
+            <a:r>
+              <a:rPr lang="en-US" altLang="ko-KR" dirty="0" smtClean="0"/>
+              <a:t>].active = false;</a:t>
+            </a:r>
+            <a:endParaRPr lang="en-US" altLang="ko-KR" dirty="0"/>
+          </a:p>
+          <a:p>
+            <a:r>
+              <a:rPr lang="en-US" altLang="ko-KR" dirty="0"/>
+              <a:t>       }</a:t>
+            </a:r>
+            <a:endParaRPr lang="en-US" altLang="ko-KR" dirty="0" smtClean="0"/>
+          </a:p>
+          <a:p>
+            <a:r>
+              <a:rPr lang="en-US" altLang="ko-KR" dirty="0"/>
+              <a:t>}</a:t>
+            </a:r>
+            <a:endParaRPr lang="ko-KR" altLang="en-US" dirty="0"/>
+          </a:p>
+        </p:txBody>
+      </p:sp>
+    </p:spTree>
+    <p:extLst>
+      <p:ext uri="{BB962C8B-B14F-4D97-AF65-F5344CB8AC3E}">
+        <p14:creationId xmlns:p14="http://schemas.microsoft.com/office/powerpoint/2010/main" val="541199409"/>
       </p:ext>
     </p:extLst>
   </p:cSld>
